--- a/17- Análise dos Eventos para cada Cenário.pptx
+++ b/17- Análise dos Eventos para cada Cenário.pptx
@@ -104,6 +104,11 @@
       </a:defRPr>
     </a:lvl9pPr>
   </p:defaultTextStyle>
+  <p:extLst>
+    <p:ext uri="{EFAFB233-063F-42B5-8137-9DF3F51BA10A}">
+      <p15:sldGuideLst xmlns:p15="http://schemas.microsoft.com/office/powerpoint/2012/main"/>
+    </p:ext>
+  </p:extLst>
 </p:presentation>
 </file>
 
@@ -238,7 +243,7 @@
           <a:p>
             <a:fld id="{CD80D927-7C62-4C11-AE49-E6A07A9B446A}" type="datetimeFigureOut">
               <a:rPr lang="pt-BR" smtClean="0"/>
-              <a:t>18/09/2020</a:t>
+              <a:t>09/10/2020</a:t>
             </a:fld>
             <a:endParaRPr lang="pt-BR"/>
           </a:p>
@@ -408,7 +413,7 @@
           <a:p>
             <a:fld id="{CD80D927-7C62-4C11-AE49-E6A07A9B446A}" type="datetimeFigureOut">
               <a:rPr lang="pt-BR" smtClean="0"/>
-              <a:t>18/09/2020</a:t>
+              <a:t>09/10/2020</a:t>
             </a:fld>
             <a:endParaRPr lang="pt-BR"/>
           </a:p>
@@ -588,7 +593,7 @@
           <a:p>
             <a:fld id="{CD80D927-7C62-4C11-AE49-E6A07A9B446A}" type="datetimeFigureOut">
               <a:rPr lang="pt-BR" smtClean="0"/>
-              <a:t>18/09/2020</a:t>
+              <a:t>09/10/2020</a:t>
             </a:fld>
             <a:endParaRPr lang="pt-BR"/>
           </a:p>
@@ -758,7 +763,7 @@
           <a:p>
             <a:fld id="{CD80D927-7C62-4C11-AE49-E6A07A9B446A}" type="datetimeFigureOut">
               <a:rPr lang="pt-BR" smtClean="0"/>
-              <a:t>18/09/2020</a:t>
+              <a:t>09/10/2020</a:t>
             </a:fld>
             <a:endParaRPr lang="pt-BR"/>
           </a:p>
@@ -1004,7 +1009,7 @@
           <a:p>
             <a:fld id="{CD80D927-7C62-4C11-AE49-E6A07A9B446A}" type="datetimeFigureOut">
               <a:rPr lang="pt-BR" smtClean="0"/>
-              <a:t>18/09/2020</a:t>
+              <a:t>09/10/2020</a:t>
             </a:fld>
             <a:endParaRPr lang="pt-BR"/>
           </a:p>
@@ -1236,7 +1241,7 @@
           <a:p>
             <a:fld id="{CD80D927-7C62-4C11-AE49-E6A07A9B446A}" type="datetimeFigureOut">
               <a:rPr lang="pt-BR" smtClean="0"/>
-              <a:t>18/09/2020</a:t>
+              <a:t>09/10/2020</a:t>
             </a:fld>
             <a:endParaRPr lang="pt-BR"/>
           </a:p>
@@ -1603,7 +1608,7 @@
           <a:p>
             <a:fld id="{CD80D927-7C62-4C11-AE49-E6A07A9B446A}" type="datetimeFigureOut">
               <a:rPr lang="pt-BR" smtClean="0"/>
-              <a:t>18/09/2020</a:t>
+              <a:t>09/10/2020</a:t>
             </a:fld>
             <a:endParaRPr lang="pt-BR"/>
           </a:p>
@@ -1721,7 +1726,7 @@
           <a:p>
             <a:fld id="{CD80D927-7C62-4C11-AE49-E6A07A9B446A}" type="datetimeFigureOut">
               <a:rPr lang="pt-BR" smtClean="0"/>
-              <a:t>18/09/2020</a:t>
+              <a:t>09/10/2020</a:t>
             </a:fld>
             <a:endParaRPr lang="pt-BR"/>
           </a:p>
@@ -1816,7 +1821,7 @@
           <a:p>
             <a:fld id="{CD80D927-7C62-4C11-AE49-E6A07A9B446A}" type="datetimeFigureOut">
               <a:rPr lang="pt-BR" smtClean="0"/>
-              <a:t>18/09/2020</a:t>
+              <a:t>09/10/2020</a:t>
             </a:fld>
             <a:endParaRPr lang="pt-BR"/>
           </a:p>
@@ -2093,7 +2098,7 @@
           <a:p>
             <a:fld id="{CD80D927-7C62-4C11-AE49-E6A07A9B446A}" type="datetimeFigureOut">
               <a:rPr lang="pt-BR" smtClean="0"/>
-              <a:t>18/09/2020</a:t>
+              <a:t>09/10/2020</a:t>
             </a:fld>
             <a:endParaRPr lang="pt-BR"/>
           </a:p>
@@ -2346,7 +2351,7 @@
           <a:p>
             <a:fld id="{CD80D927-7C62-4C11-AE49-E6A07A9B446A}" type="datetimeFigureOut">
               <a:rPr lang="pt-BR" smtClean="0"/>
-              <a:t>18/09/2020</a:t>
+              <a:t>09/10/2020</a:t>
             </a:fld>
             <a:endParaRPr lang="pt-BR"/>
           </a:p>
@@ -2559,7 +2564,7 @@
           <a:p>
             <a:fld id="{CD80D927-7C62-4C11-AE49-E6A07A9B446A}" type="datetimeFigureOut">
               <a:rPr lang="pt-BR" smtClean="0"/>
-              <a:t>18/09/2020</a:t>
+              <a:t>09/10/2020</a:t>
             </a:fld>
             <a:endParaRPr lang="pt-BR"/>
           </a:p>
@@ -2969,7 +2974,7 @@
           <p:cNvPr id="4" name="Título 1">
             <a:extLst>
               <a:ext uri="{FF2B5EF4-FFF2-40B4-BE49-F238E27FC236}">
-                <a16:creationId xmlns:a16="http://schemas.microsoft.com/office/drawing/2014/main" xmlns="" id="{7C40AA8A-5A8E-48E8-B248-DE9BC4F65064}"/>
+                <a16:creationId xmlns="" xmlns:a16="http://schemas.microsoft.com/office/drawing/2014/main" id="{7C40AA8A-5A8E-48E8-B248-DE9BC4F65064}"/>
               </a:ext>
             </a:extLst>
           </p:cNvPr>
@@ -3019,7 +3024,7 @@
       </p:sp>
       <p:pic>
         <p:nvPicPr>
-          <p:cNvPr id="7" name="Imagem 6"/>
+          <p:cNvPr id="3" name="Imagem 2"/>
           <p:cNvPicPr>
             <a:picLocks noChangeAspect="1"/>
           </p:cNvPicPr>
@@ -3033,8 +3038,8 @@
         </p:blipFill>
         <p:spPr>
           <a:xfrm>
-            <a:off x="0" y="1035415"/>
-            <a:ext cx="12192000" cy="1729175"/>
+            <a:off x="0" y="1047502"/>
+            <a:ext cx="12192000" cy="2274627"/>
           </a:xfrm>
           <a:prstGeom prst="rect">
             <a:avLst/>

--- a/17- Análise dos Eventos para cada Cenário.pptx
+++ b/17- Análise dos Eventos para cada Cenário.pptx
@@ -243,7 +243,7 @@
           <a:p>
             <a:fld id="{CD80D927-7C62-4C11-AE49-E6A07A9B446A}" type="datetimeFigureOut">
               <a:rPr lang="pt-BR" smtClean="0"/>
-              <a:t>09/10/2020</a:t>
+              <a:t>01/11/2020</a:t>
             </a:fld>
             <a:endParaRPr lang="pt-BR"/>
           </a:p>
@@ -413,7 +413,7 @@
           <a:p>
             <a:fld id="{CD80D927-7C62-4C11-AE49-E6A07A9B446A}" type="datetimeFigureOut">
               <a:rPr lang="pt-BR" smtClean="0"/>
-              <a:t>09/10/2020</a:t>
+              <a:t>01/11/2020</a:t>
             </a:fld>
             <a:endParaRPr lang="pt-BR"/>
           </a:p>
@@ -593,7 +593,7 @@
           <a:p>
             <a:fld id="{CD80D927-7C62-4C11-AE49-E6A07A9B446A}" type="datetimeFigureOut">
               <a:rPr lang="pt-BR" smtClean="0"/>
-              <a:t>09/10/2020</a:t>
+              <a:t>01/11/2020</a:t>
             </a:fld>
             <a:endParaRPr lang="pt-BR"/>
           </a:p>
@@ -763,7 +763,7 @@
           <a:p>
             <a:fld id="{CD80D927-7C62-4C11-AE49-E6A07A9B446A}" type="datetimeFigureOut">
               <a:rPr lang="pt-BR" smtClean="0"/>
-              <a:t>09/10/2020</a:t>
+              <a:t>01/11/2020</a:t>
             </a:fld>
             <a:endParaRPr lang="pt-BR"/>
           </a:p>
@@ -1009,7 +1009,7 @@
           <a:p>
             <a:fld id="{CD80D927-7C62-4C11-AE49-E6A07A9B446A}" type="datetimeFigureOut">
               <a:rPr lang="pt-BR" smtClean="0"/>
-              <a:t>09/10/2020</a:t>
+              <a:t>01/11/2020</a:t>
             </a:fld>
             <a:endParaRPr lang="pt-BR"/>
           </a:p>
@@ -1241,7 +1241,7 @@
           <a:p>
             <a:fld id="{CD80D927-7C62-4C11-AE49-E6A07A9B446A}" type="datetimeFigureOut">
               <a:rPr lang="pt-BR" smtClean="0"/>
-              <a:t>09/10/2020</a:t>
+              <a:t>01/11/2020</a:t>
             </a:fld>
             <a:endParaRPr lang="pt-BR"/>
           </a:p>
@@ -1608,7 +1608,7 @@
           <a:p>
             <a:fld id="{CD80D927-7C62-4C11-AE49-E6A07A9B446A}" type="datetimeFigureOut">
               <a:rPr lang="pt-BR" smtClean="0"/>
-              <a:t>09/10/2020</a:t>
+              <a:t>01/11/2020</a:t>
             </a:fld>
             <a:endParaRPr lang="pt-BR"/>
           </a:p>
@@ -1726,7 +1726,7 @@
           <a:p>
             <a:fld id="{CD80D927-7C62-4C11-AE49-E6A07A9B446A}" type="datetimeFigureOut">
               <a:rPr lang="pt-BR" smtClean="0"/>
-              <a:t>09/10/2020</a:t>
+              <a:t>01/11/2020</a:t>
             </a:fld>
             <a:endParaRPr lang="pt-BR"/>
           </a:p>
@@ -1821,7 +1821,7 @@
           <a:p>
             <a:fld id="{CD80D927-7C62-4C11-AE49-E6A07A9B446A}" type="datetimeFigureOut">
               <a:rPr lang="pt-BR" smtClean="0"/>
-              <a:t>09/10/2020</a:t>
+              <a:t>01/11/2020</a:t>
             </a:fld>
             <a:endParaRPr lang="pt-BR"/>
           </a:p>
@@ -2098,7 +2098,7 @@
           <a:p>
             <a:fld id="{CD80D927-7C62-4C11-AE49-E6A07A9B446A}" type="datetimeFigureOut">
               <a:rPr lang="pt-BR" smtClean="0"/>
-              <a:t>09/10/2020</a:t>
+              <a:t>01/11/2020</a:t>
             </a:fld>
             <a:endParaRPr lang="pt-BR"/>
           </a:p>
@@ -2351,7 +2351,7 @@
           <a:p>
             <a:fld id="{CD80D927-7C62-4C11-AE49-E6A07A9B446A}" type="datetimeFigureOut">
               <a:rPr lang="pt-BR" smtClean="0"/>
-              <a:t>09/10/2020</a:t>
+              <a:t>01/11/2020</a:t>
             </a:fld>
             <a:endParaRPr lang="pt-BR"/>
           </a:p>
@@ -2564,7 +2564,7 @@
           <a:p>
             <a:fld id="{CD80D927-7C62-4C11-AE49-E6A07A9B446A}" type="datetimeFigureOut">
               <a:rPr lang="pt-BR" smtClean="0"/>
-              <a:t>09/10/2020</a:t>
+              <a:t>01/11/2020</a:t>
             </a:fld>
             <a:endParaRPr lang="pt-BR"/>
           </a:p>
@@ -2974,7 +2974,7 @@
           <p:cNvPr id="4" name="Título 1">
             <a:extLst>
               <a:ext uri="{FF2B5EF4-FFF2-40B4-BE49-F238E27FC236}">
-                <a16:creationId xmlns="" xmlns:a16="http://schemas.microsoft.com/office/drawing/2014/main" id="{7C40AA8A-5A8E-48E8-B248-DE9BC4F65064}"/>
+                <a16:creationId xmlns:a16="http://schemas.microsoft.com/office/drawing/2014/main" xmlns="" id="{7C40AA8A-5A8E-48E8-B248-DE9BC4F65064}"/>
               </a:ext>
             </a:extLst>
           </p:cNvPr>
@@ -3024,7 +3024,7 @@
       </p:sp>
       <p:pic>
         <p:nvPicPr>
-          <p:cNvPr id="3" name="Imagem 2"/>
+          <p:cNvPr id="5" name="Imagem 4"/>
           <p:cNvPicPr>
             <a:picLocks noChangeAspect="1"/>
           </p:cNvPicPr>
@@ -3038,8 +3038,8 @@
         </p:blipFill>
         <p:spPr>
           <a:xfrm>
-            <a:off x="0" y="1047502"/>
-            <a:ext cx="12192000" cy="2274627"/>
+            <a:off x="0" y="764499"/>
+            <a:ext cx="12192000" cy="2770909"/>
           </a:xfrm>
           <a:prstGeom prst="rect">
             <a:avLst/>
